--- a/Azure API Management - CI-CD-Bicep.pptx
+++ b/Azure API Management - CI-CD-Bicep.pptx
@@ -105,6 +105,11 @@
       </a:defRPr>
     </a:lvl9pPr>
   </p:defaultTextStyle>
+  <p:extLst>
+    <p:ext uri="{EFAFB233-063F-42B5-8137-9DF3F51BA10A}">
+      <p15:sldGuideLst xmlns:p15="http://schemas.microsoft.com/office/powerpoint/2012/main"/>
+    </p:ext>
+  </p:extLst>
 </p:presentation>
 </file>
 
@@ -15883,14 +15888,26 @@
           <a:lstStyle/>
           <a:p>
             <a:r>
-              <a:rPr lang="sv-SE" dirty="0" err="1"/>
+              <a:rPr lang="sv-SE" dirty="0" err="1">
+                <a:solidFill>
+                  <a:schemeClr val="accent2"/>
+                </a:solidFill>
+              </a:rPr>
               <a:t>Azure</a:t>
             </a:r>
             <a:r>
-              <a:rPr lang="sv-SE" dirty="0"/>
+              <a:rPr lang="sv-SE" dirty="0">
+                <a:solidFill>
+                  <a:schemeClr val="accent2"/>
+                </a:solidFill>
+              </a:rPr>
               <a:t> API Management </a:t>
             </a:r>
-            <a:endParaRPr lang="en-SE" dirty="0"/>
+            <a:endParaRPr lang="en-SE" dirty="0">
+              <a:solidFill>
+                <a:schemeClr val="accent2"/>
+              </a:solidFill>
+            </a:endParaRPr>
           </a:p>
         </p:txBody>
       </p:sp>
@@ -15923,10 +15940,42 @@
           <a:lstStyle/>
           <a:p>
             <a:r>
-              <a:rPr lang="sv-SE" dirty="0"/>
-              <a:t>CI/CD</a:t>
+              <a:rPr lang="sv-SE" dirty="0">
+                <a:solidFill>
+                  <a:schemeClr val="accent2"/>
+                </a:solidFill>
+              </a:rPr>
+              <a:t>CI/CD </a:t>
             </a:r>
-            <a:endParaRPr lang="en-SE" dirty="0"/>
+            <a:r>
+              <a:rPr lang="sv-SE" dirty="0" err="1">
+                <a:solidFill>
+                  <a:schemeClr val="accent2"/>
+                </a:solidFill>
+              </a:rPr>
+              <a:t>with</a:t>
+            </a:r>
+            <a:r>
+              <a:rPr lang="sv-SE" dirty="0">
+                <a:solidFill>
+                  <a:schemeClr val="accent2"/>
+                </a:solidFill>
+              </a:rPr>
+              <a:t> </a:t>
+            </a:r>
+            <a:r>
+              <a:rPr lang="sv-SE">
+                <a:solidFill>
+                  <a:schemeClr val="accent2"/>
+                </a:solidFill>
+              </a:rPr>
+              <a:t>Bicep</a:t>
+            </a:r>
+            <a:endParaRPr lang="en-SE" dirty="0">
+              <a:solidFill>
+                <a:schemeClr val="accent2"/>
+              </a:solidFill>
+            </a:endParaRPr>
           </a:p>
         </p:txBody>
       </p:sp>

--- a/Azure API Management - CI-CD-Bicep.pptx
+++ b/Azure API Management - CI-CD-Bicep.pptx
@@ -15964,7 +15964,7 @@
               <a:t> </a:t>
             </a:r>
             <a:r>
-              <a:rPr lang="sv-SE">
+              <a:rPr lang="sv-SE" dirty="0" err="1">
                 <a:solidFill>
                   <a:schemeClr val="accent2"/>
                 </a:solidFill>
@@ -16137,7 +16137,7 @@
         <p:spPr>
           <a:xfrm>
             <a:off x="2159265" y="1783640"/>
-            <a:ext cx="1099981" cy="523220"/>
+            <a:ext cx="1099981" cy="738664"/>
           </a:xfrm>
           <a:prstGeom prst="rect">
             <a:avLst/>
@@ -16158,6 +16158,13 @@
               </a:rPr>
               <a:t>DevGroup1</a:t>
             </a:r>
+          </a:p>
+          <a:p>
+            <a:endParaRPr lang="sv-SE" sz="1400" dirty="0">
+              <a:solidFill>
+                <a:schemeClr val="accent2"/>
+              </a:solidFill>
+            </a:endParaRPr>
           </a:p>
           <a:p>
             <a:r>
@@ -16732,7 +16739,7 @@
         <p:spPr>
           <a:xfrm>
             <a:off x="2084174" y="3838185"/>
-            <a:ext cx="1099981" cy="523220"/>
+            <a:ext cx="1099981" cy="738664"/>
           </a:xfrm>
           <a:prstGeom prst="rect">
             <a:avLst/>
@@ -16746,13 +16753,25 @@
           <a:lstStyle/>
           <a:p>
             <a:r>
-              <a:rPr lang="sv-SE" sz="1400" dirty="0">
+              <a:rPr lang="sv-SE" sz="1400">
                 <a:solidFill>
                   <a:schemeClr val="accent2"/>
                 </a:solidFill>
               </a:rPr>
-              <a:t>DevGroup1</a:t>
+              <a:t>DevGroup2</a:t>
             </a:r>
+            <a:endParaRPr lang="sv-SE" sz="1400" dirty="0">
+              <a:solidFill>
+                <a:schemeClr val="accent2"/>
+              </a:solidFill>
+            </a:endParaRPr>
+          </a:p>
+          <a:p>
+            <a:endParaRPr lang="sv-SE" sz="1400" dirty="0">
+              <a:solidFill>
+                <a:schemeClr val="accent2"/>
+              </a:solidFill>
+            </a:endParaRPr>
           </a:p>
           <a:p>
             <a:r>
@@ -17226,7 +17245,7 @@
         <p:spPr>
           <a:xfrm>
             <a:off x="2084174" y="5515504"/>
-            <a:ext cx="1000595" cy="307777"/>
+            <a:ext cx="1574470" cy="954107"/>
           </a:xfrm>
           <a:prstGeom prst="rect">
             <a:avLst/>
@@ -17246,6 +17265,57 @@
                 </a:solidFill>
               </a:rPr>
               <a:t>Main Infra</a:t>
+            </a:r>
+          </a:p>
+          <a:p>
+            <a:endParaRPr lang="sv-SE" sz="1400" dirty="0">
+              <a:solidFill>
+                <a:schemeClr val="accent2"/>
+              </a:solidFill>
+            </a:endParaRPr>
+          </a:p>
+          <a:p>
+            <a:r>
+              <a:rPr lang="sv-SE" sz="1400" dirty="0">
+                <a:solidFill>
+                  <a:schemeClr val="accent2"/>
+                </a:solidFill>
+              </a:rPr>
+              <a:t>(API </a:t>
+            </a:r>
+            <a:r>
+              <a:rPr lang="sv-SE" sz="1400" dirty="0" err="1">
+                <a:solidFill>
+                  <a:schemeClr val="accent2"/>
+                </a:solidFill>
+              </a:rPr>
+              <a:t>Managment</a:t>
+            </a:r>
+            <a:r>
+              <a:rPr lang="sv-SE" sz="1400" dirty="0">
+                <a:solidFill>
+                  <a:schemeClr val="accent2"/>
+                </a:solidFill>
+              </a:rPr>
+              <a:t> </a:t>
+            </a:r>
+          </a:p>
+          <a:p>
+            <a:r>
+              <a:rPr lang="sv-SE" sz="1400" dirty="0" err="1">
+                <a:solidFill>
+                  <a:schemeClr val="accent2"/>
+                </a:solidFill>
+              </a:rPr>
+              <a:t>main</a:t>
+            </a:r>
+            <a:r>
+              <a:rPr lang="sv-SE" sz="1400" dirty="0">
+                <a:solidFill>
+                  <a:schemeClr val="accent2"/>
+                </a:solidFill>
+              </a:rPr>
+              <a:t> setup)</a:t>
             </a:r>
             <a:endParaRPr lang="en-SE" sz="1400" dirty="0">
               <a:solidFill>
@@ -17507,13 +17577,14 @@
           </p:cNvPr>
           <p:cNvCxnSpPr>
             <a:cxnSpLocks/>
+            <a:endCxn id="12" idx="1"/>
           </p:cNvCxnSpPr>
           <p:nvPr/>
         </p:nvCxnSpPr>
         <p:spPr>
           <a:xfrm flipV="1">
-            <a:off x="5396955" y="2267865"/>
-            <a:ext cx="3442245" cy="2925550"/>
+            <a:off x="5396955" y="2235045"/>
+            <a:ext cx="3507333" cy="2958370"/>
           </a:xfrm>
           <a:prstGeom prst="curvedConnector3">
             <a:avLst/>
